--- a/ADC_Design/FIgures/ADC_2-bit_Architecture.pptx
+++ b/ADC_Design/FIgures/ADC_2-bit_Architecture.pptx
@@ -104,6 +104,11 @@
       </a:defRPr>
     </a:lvl9pPr>
   </p:defaultTextStyle>
+  <p:extLst>
+    <p:ext uri="{EFAFB233-063F-42B5-8137-9DF3F51BA10A}">
+      <p15:sldGuideLst xmlns:p15="http://schemas.microsoft.com/office/powerpoint/2012/main"/>
+    </p:ext>
+  </p:extLst>
 </p:presentation>
 </file>
 
@@ -3837,15 +3842,15 @@
           </p:cNvPr>
           <p:cNvCxnSpPr>
             <a:cxnSpLocks/>
-            <a:stCxn id="4" idx="3"/>
+            <a:stCxn id="28" idx="3"/>
             <a:endCxn id="5" idx="1"/>
           </p:cNvCxnSpPr>
           <p:nvPr/>
         </p:nvCxnSpPr>
         <p:spPr>
           <a:xfrm flipV="1">
-            <a:off x="7156704" y="3066444"/>
-            <a:ext cx="649380" cy="1"/>
+            <a:off x="6507324" y="3066444"/>
+            <a:ext cx="1298760" cy="1"/>
           </a:xfrm>
           <a:prstGeom prst="straightConnector1">
             <a:avLst/>

--- a/ADC_Design/FIgures/ADC_2-bit_Architecture.pptx
+++ b/ADC_Design/FIgures/ADC_2-bit_Architecture.pptx
@@ -259,7 +259,7 @@
           <a:p>
             <a:fld id="{624A1D4A-3BD5-4492-98F6-F753A11110B9}" type="datetimeFigureOut">
               <a:rPr lang="en-US" smtClean="0"/>
-              <a:t>5/19/2024</a:t>
+              <a:t>5/23/2024</a:t>
             </a:fld>
             <a:endParaRPr lang="en-US"/>
           </a:p>
@@ -457,7 +457,7 @@
           <a:p>
             <a:fld id="{624A1D4A-3BD5-4492-98F6-F753A11110B9}" type="datetimeFigureOut">
               <a:rPr lang="en-US" smtClean="0"/>
-              <a:t>5/19/2024</a:t>
+              <a:t>5/23/2024</a:t>
             </a:fld>
             <a:endParaRPr lang="en-US"/>
           </a:p>
@@ -665,7 +665,7 @@
           <a:p>
             <a:fld id="{624A1D4A-3BD5-4492-98F6-F753A11110B9}" type="datetimeFigureOut">
               <a:rPr lang="en-US" smtClean="0"/>
-              <a:t>5/19/2024</a:t>
+              <a:t>5/23/2024</a:t>
             </a:fld>
             <a:endParaRPr lang="en-US"/>
           </a:p>
@@ -863,7 +863,7 @@
           <a:p>
             <a:fld id="{624A1D4A-3BD5-4492-98F6-F753A11110B9}" type="datetimeFigureOut">
               <a:rPr lang="en-US" smtClean="0"/>
-              <a:t>5/19/2024</a:t>
+              <a:t>5/23/2024</a:t>
             </a:fld>
             <a:endParaRPr lang="en-US"/>
           </a:p>
@@ -1138,7 +1138,7 @@
           <a:p>
             <a:fld id="{624A1D4A-3BD5-4492-98F6-F753A11110B9}" type="datetimeFigureOut">
               <a:rPr lang="en-US" smtClean="0"/>
-              <a:t>5/19/2024</a:t>
+              <a:t>5/23/2024</a:t>
             </a:fld>
             <a:endParaRPr lang="en-US"/>
           </a:p>
@@ -1403,7 +1403,7 @@
           <a:p>
             <a:fld id="{624A1D4A-3BD5-4492-98F6-F753A11110B9}" type="datetimeFigureOut">
               <a:rPr lang="en-US" smtClean="0"/>
-              <a:t>5/19/2024</a:t>
+              <a:t>5/23/2024</a:t>
             </a:fld>
             <a:endParaRPr lang="en-US"/>
           </a:p>
@@ -1815,7 +1815,7 @@
           <a:p>
             <a:fld id="{624A1D4A-3BD5-4492-98F6-F753A11110B9}" type="datetimeFigureOut">
               <a:rPr lang="en-US" smtClean="0"/>
-              <a:t>5/19/2024</a:t>
+              <a:t>5/23/2024</a:t>
             </a:fld>
             <a:endParaRPr lang="en-US"/>
           </a:p>
@@ -1956,7 +1956,7 @@
           <a:p>
             <a:fld id="{624A1D4A-3BD5-4492-98F6-F753A11110B9}" type="datetimeFigureOut">
               <a:rPr lang="en-US" smtClean="0"/>
-              <a:t>5/19/2024</a:t>
+              <a:t>5/23/2024</a:t>
             </a:fld>
             <a:endParaRPr lang="en-US"/>
           </a:p>
@@ -2069,7 +2069,7 @@
           <a:p>
             <a:fld id="{624A1D4A-3BD5-4492-98F6-F753A11110B9}" type="datetimeFigureOut">
               <a:rPr lang="en-US" smtClean="0"/>
-              <a:t>5/19/2024</a:t>
+              <a:t>5/23/2024</a:t>
             </a:fld>
             <a:endParaRPr lang="en-US"/>
           </a:p>
@@ -2380,7 +2380,7 @@
           <a:p>
             <a:fld id="{624A1D4A-3BD5-4492-98F6-F753A11110B9}" type="datetimeFigureOut">
               <a:rPr lang="en-US" smtClean="0"/>
-              <a:t>5/19/2024</a:t>
+              <a:t>5/23/2024</a:t>
             </a:fld>
             <a:endParaRPr lang="en-US"/>
           </a:p>
@@ -2668,7 +2668,7 @@
           <a:p>
             <a:fld id="{624A1D4A-3BD5-4492-98F6-F753A11110B9}" type="datetimeFigureOut">
               <a:rPr lang="en-US" smtClean="0"/>
-              <a:t>5/19/2024</a:t>
+              <a:t>5/23/2024</a:t>
             </a:fld>
             <a:endParaRPr lang="en-US"/>
           </a:p>
@@ -2909,7 +2909,7 @@
           <a:p>
             <a:fld id="{624A1D4A-3BD5-4492-98F6-F753A11110B9}" type="datetimeFigureOut">
               <a:rPr lang="en-US" smtClean="0"/>
-              <a:t>5/19/2024</a:t>
+              <a:t>5/23/2024</a:t>
             </a:fld>
             <a:endParaRPr lang="en-US"/>
           </a:p>
@@ -3909,6 +3909,86 @@
               <a:rPr lang="en-US" sz="1200" dirty="0"/>
               <a:t>2</a:t>
             </a:r>
+          </a:p>
+        </p:txBody>
+      </p:sp>
+      <p:cxnSp>
+        <p:nvCxnSpPr>
+          <p:cNvPr id="2" name="Straight Arrow Connector 1">
+            <a:extLst>
+              <a:ext uri="{FF2B5EF4-FFF2-40B4-BE49-F238E27FC236}">
+                <a16:creationId xmlns:a16="http://schemas.microsoft.com/office/drawing/2014/main" id="{BBD96E8E-8A04-A896-5060-EADAB144BF15}"/>
+              </a:ext>
+            </a:extLst>
+          </p:cNvPr>
+          <p:cNvCxnSpPr>
+            <a:cxnSpLocks/>
+          </p:cNvCxnSpPr>
+          <p:nvPr/>
+        </p:nvCxnSpPr>
+        <p:spPr>
+          <a:xfrm>
+            <a:off x="2488899" y="3488116"/>
+            <a:ext cx="1070270" cy="0"/>
+          </a:xfrm>
+          <a:prstGeom prst="straightConnector1">
+            <a:avLst/>
+          </a:prstGeom>
+          <a:ln>
+            <a:solidFill>
+              <a:schemeClr val="tx1"/>
+            </a:solidFill>
+            <a:tailEnd type="triangle"/>
+          </a:ln>
+        </p:spPr>
+        <p:style>
+          <a:lnRef idx="2">
+            <a:schemeClr val="accent1"/>
+          </a:lnRef>
+          <a:fillRef idx="0">
+            <a:schemeClr val="accent1"/>
+          </a:fillRef>
+          <a:effectRef idx="1">
+            <a:schemeClr val="accent1"/>
+          </a:effectRef>
+          <a:fontRef idx="minor">
+            <a:schemeClr val="tx1"/>
+          </a:fontRef>
+        </p:style>
+      </p:cxnSp>
+      <p:sp>
+        <p:nvSpPr>
+          <p:cNvPr id="3" name="TextBox 2">
+            <a:extLst>
+              <a:ext uri="{FF2B5EF4-FFF2-40B4-BE49-F238E27FC236}">
+                <a16:creationId xmlns:a16="http://schemas.microsoft.com/office/drawing/2014/main" id="{0AA60838-635D-D128-CFB7-A90ED538805A}"/>
+              </a:ext>
+            </a:extLst>
+          </p:cNvPr>
+          <p:cNvSpPr txBox="1"/>
+          <p:nvPr/>
+        </p:nvSpPr>
+        <p:spPr>
+          <a:xfrm>
+            <a:off x="2521995" y="3233937"/>
+            <a:ext cx="354584" cy="276999"/>
+          </a:xfrm>
+          <a:prstGeom prst="rect">
+            <a:avLst/>
+          </a:prstGeom>
+          <a:noFill/>
+        </p:spPr>
+        <p:txBody>
+          <a:bodyPr wrap="none" rtlCol="0">
+            <a:spAutoFit/>
+          </a:bodyPr>
+          <a:lstStyle/>
+          <a:p>
+            <a:r>
+              <a:rPr lang="en-US" sz="1200" dirty="0"/>
+              <a:t>En</a:t>
+            </a:r>
+            <a:endParaRPr lang="en-US" sz="1200" baseline="-25000" dirty="0"/>
           </a:p>
         </p:txBody>
       </p:sp>

--- a/ADC_Design/FIgures/ADC_2-bit_Architecture.pptx
+++ b/ADC_Design/FIgures/ADC_2-bit_Architecture.pptx
@@ -6,6 +6,7 @@
   </p:sldMasterIdLst>
   <p:sldIdLst>
     <p:sldId id="256" r:id="rId2"/>
+    <p:sldId id="257" r:id="rId3"/>
   </p:sldIdLst>
   <p:sldSz cx="12192000" cy="6858000"/>
   <p:notesSz cx="6858000" cy="9144000"/>
@@ -259,7 +260,7 @@
           <a:p>
             <a:fld id="{624A1D4A-3BD5-4492-98F6-F753A11110B9}" type="datetimeFigureOut">
               <a:rPr lang="en-US" smtClean="0"/>
-              <a:t>5/23/2024</a:t>
+              <a:t>6/9/2024</a:t>
             </a:fld>
             <a:endParaRPr lang="en-US"/>
           </a:p>
@@ -457,7 +458,7 @@
           <a:p>
             <a:fld id="{624A1D4A-3BD5-4492-98F6-F753A11110B9}" type="datetimeFigureOut">
               <a:rPr lang="en-US" smtClean="0"/>
-              <a:t>5/23/2024</a:t>
+              <a:t>6/9/2024</a:t>
             </a:fld>
             <a:endParaRPr lang="en-US"/>
           </a:p>
@@ -665,7 +666,7 @@
           <a:p>
             <a:fld id="{624A1D4A-3BD5-4492-98F6-F753A11110B9}" type="datetimeFigureOut">
               <a:rPr lang="en-US" smtClean="0"/>
-              <a:t>5/23/2024</a:t>
+              <a:t>6/9/2024</a:t>
             </a:fld>
             <a:endParaRPr lang="en-US"/>
           </a:p>
@@ -863,7 +864,7 @@
           <a:p>
             <a:fld id="{624A1D4A-3BD5-4492-98F6-F753A11110B9}" type="datetimeFigureOut">
               <a:rPr lang="en-US" smtClean="0"/>
-              <a:t>5/23/2024</a:t>
+              <a:t>6/9/2024</a:t>
             </a:fld>
             <a:endParaRPr lang="en-US"/>
           </a:p>
@@ -1138,7 +1139,7 @@
           <a:p>
             <a:fld id="{624A1D4A-3BD5-4492-98F6-F753A11110B9}" type="datetimeFigureOut">
               <a:rPr lang="en-US" smtClean="0"/>
-              <a:t>5/23/2024</a:t>
+              <a:t>6/9/2024</a:t>
             </a:fld>
             <a:endParaRPr lang="en-US"/>
           </a:p>
@@ -1403,7 +1404,7 @@
           <a:p>
             <a:fld id="{624A1D4A-3BD5-4492-98F6-F753A11110B9}" type="datetimeFigureOut">
               <a:rPr lang="en-US" smtClean="0"/>
-              <a:t>5/23/2024</a:t>
+              <a:t>6/9/2024</a:t>
             </a:fld>
             <a:endParaRPr lang="en-US"/>
           </a:p>
@@ -1815,7 +1816,7 @@
           <a:p>
             <a:fld id="{624A1D4A-3BD5-4492-98F6-F753A11110B9}" type="datetimeFigureOut">
               <a:rPr lang="en-US" smtClean="0"/>
-              <a:t>5/23/2024</a:t>
+              <a:t>6/9/2024</a:t>
             </a:fld>
             <a:endParaRPr lang="en-US"/>
           </a:p>
@@ -1956,7 +1957,7 @@
           <a:p>
             <a:fld id="{624A1D4A-3BD5-4492-98F6-F753A11110B9}" type="datetimeFigureOut">
               <a:rPr lang="en-US" smtClean="0"/>
-              <a:t>5/23/2024</a:t>
+              <a:t>6/9/2024</a:t>
             </a:fld>
             <a:endParaRPr lang="en-US"/>
           </a:p>
@@ -2069,7 +2070,7 @@
           <a:p>
             <a:fld id="{624A1D4A-3BD5-4492-98F6-F753A11110B9}" type="datetimeFigureOut">
               <a:rPr lang="en-US" smtClean="0"/>
-              <a:t>5/23/2024</a:t>
+              <a:t>6/9/2024</a:t>
             </a:fld>
             <a:endParaRPr lang="en-US"/>
           </a:p>
@@ -2380,7 +2381,7 @@
           <a:p>
             <a:fld id="{624A1D4A-3BD5-4492-98F6-F753A11110B9}" type="datetimeFigureOut">
               <a:rPr lang="en-US" smtClean="0"/>
-              <a:t>5/23/2024</a:t>
+              <a:t>6/9/2024</a:t>
             </a:fld>
             <a:endParaRPr lang="en-US"/>
           </a:p>
@@ -2668,7 +2669,7 @@
           <a:p>
             <a:fld id="{624A1D4A-3BD5-4492-98F6-F753A11110B9}" type="datetimeFigureOut">
               <a:rPr lang="en-US" smtClean="0"/>
-              <a:t>5/23/2024</a:t>
+              <a:t>6/9/2024</a:t>
             </a:fld>
             <a:endParaRPr lang="en-US"/>
           </a:p>
@@ -2909,7 +2910,7 @@
           <a:p>
             <a:fld id="{624A1D4A-3BD5-4492-98F6-F753A11110B9}" type="datetimeFigureOut">
               <a:rPr lang="en-US" smtClean="0"/>
-              <a:t>5/23/2024</a:t>
+              <a:t>6/9/2024</a:t>
             </a:fld>
             <a:endParaRPr lang="en-US"/>
           </a:p>
@@ -3996,6 +3997,363 @@
     <p:extLst>
       <p:ext uri="{BB962C8B-B14F-4D97-AF65-F5344CB8AC3E}">
         <p14:creationId xmlns:p14="http://schemas.microsoft.com/office/powerpoint/2010/main" val="1417383347"/>
+      </p:ext>
+    </p:extLst>
+  </p:cSld>
+  <p:clrMapOvr>
+    <a:masterClrMapping/>
+  </p:clrMapOvr>
+</p:sld>
+</file>
+
+<file path=ppt/slides/slide2.xml><?xml version="1.0" encoding="utf-8"?>
+<p:sld xmlns:a="http://schemas.openxmlformats.org/drawingml/2006/main" xmlns:r="http://schemas.openxmlformats.org/officeDocument/2006/relationships" xmlns:p="http://schemas.openxmlformats.org/presentationml/2006/main">
+  <p:cSld>
+    <p:spTree>
+      <p:nvGrpSpPr>
+        <p:cNvPr id="1" name=""/>
+        <p:cNvGrpSpPr/>
+        <p:nvPr/>
+      </p:nvGrpSpPr>
+      <p:grpSpPr>
+        <a:xfrm>
+          <a:off x="0" y="0"/>
+          <a:ext cx="0" cy="0"/>
+          <a:chOff x="0" y="0"/>
+          <a:chExt cx="0" cy="0"/>
+        </a:xfrm>
+      </p:grpSpPr>
+      <p:sp>
+        <p:nvSpPr>
+          <p:cNvPr id="4" name="Oval 3">
+            <a:extLst>
+              <a:ext uri="{FF2B5EF4-FFF2-40B4-BE49-F238E27FC236}">
+                <a16:creationId xmlns:a16="http://schemas.microsoft.com/office/drawing/2014/main" id="{FD9E674A-85E1-0ED8-9909-1BD890199215}"/>
+              </a:ext>
+            </a:extLst>
+          </p:cNvPr>
+          <p:cNvSpPr/>
+          <p:nvPr/>
+        </p:nvSpPr>
+        <p:spPr>
+          <a:xfrm>
+            <a:off x="2598486" y="2843590"/>
+            <a:ext cx="1170819" cy="1170819"/>
+          </a:xfrm>
+          <a:prstGeom prst="ellipse">
+            <a:avLst/>
+          </a:prstGeom>
+          <a:noFill/>
+          <a:ln w="28575">
+            <a:solidFill>
+              <a:schemeClr val="tx1"/>
+            </a:solidFill>
+          </a:ln>
+        </p:spPr>
+        <p:style>
+          <a:lnRef idx="2">
+            <a:schemeClr val="accent1">
+              <a:shade val="15000"/>
+            </a:schemeClr>
+          </a:lnRef>
+          <a:fillRef idx="1">
+            <a:schemeClr val="accent1"/>
+          </a:fillRef>
+          <a:effectRef idx="0">
+            <a:schemeClr val="accent1"/>
+          </a:effectRef>
+          <a:fontRef idx="minor">
+            <a:schemeClr val="lt1"/>
+          </a:fontRef>
+        </p:style>
+        <p:txBody>
+          <a:bodyPr rtlCol="0" anchor="ctr"/>
+          <a:lstStyle/>
+          <a:p>
+            <a:pPr algn="ctr"/>
+            <a:r>
+              <a:rPr lang="en-US" sz="1100" dirty="0">
+                <a:solidFill>
+                  <a:sysClr val="windowText" lastClr="000000"/>
+                </a:solidFill>
+              </a:rPr>
+              <a:t>En=LOW</a:t>
+            </a:r>
+          </a:p>
+        </p:txBody>
+      </p:sp>
+      <p:sp>
+        <p:nvSpPr>
+          <p:cNvPr id="5" name="Oval 4">
+            <a:extLst>
+              <a:ext uri="{FF2B5EF4-FFF2-40B4-BE49-F238E27FC236}">
+                <a16:creationId xmlns:a16="http://schemas.microsoft.com/office/drawing/2014/main" id="{D35B8F60-1E0F-0677-4396-78FD370E3757}"/>
+              </a:ext>
+            </a:extLst>
+          </p:cNvPr>
+          <p:cNvSpPr/>
+          <p:nvPr/>
+        </p:nvSpPr>
+        <p:spPr>
+          <a:xfrm>
+            <a:off x="4325043" y="2843590"/>
+            <a:ext cx="1170819" cy="1170819"/>
+          </a:xfrm>
+          <a:prstGeom prst="ellipse">
+            <a:avLst/>
+          </a:prstGeom>
+          <a:noFill/>
+          <a:ln w="28575">
+            <a:solidFill>
+              <a:schemeClr val="tx1"/>
+            </a:solidFill>
+          </a:ln>
+        </p:spPr>
+        <p:style>
+          <a:lnRef idx="2">
+            <a:schemeClr val="accent1">
+              <a:shade val="15000"/>
+            </a:schemeClr>
+          </a:lnRef>
+          <a:fillRef idx="1">
+            <a:schemeClr val="accent1"/>
+          </a:fillRef>
+          <a:effectRef idx="0">
+            <a:schemeClr val="accent1"/>
+          </a:effectRef>
+          <a:fontRef idx="minor">
+            <a:schemeClr val="lt1"/>
+          </a:fontRef>
+        </p:style>
+        <p:txBody>
+          <a:bodyPr rtlCol="0" anchor="ctr"/>
+          <a:lstStyle/>
+          <a:p>
+            <a:pPr algn="ctr"/>
+            <a:r>
+              <a:rPr lang="en-US" sz="1100" dirty="0">
+                <a:solidFill>
+                  <a:schemeClr val="tx1"/>
+                </a:solidFill>
+              </a:rPr>
+              <a:t>Read Data</a:t>
+            </a:r>
+          </a:p>
+        </p:txBody>
+      </p:sp>
+      <p:sp>
+        <p:nvSpPr>
+          <p:cNvPr id="6" name="Oval 5">
+            <a:extLst>
+              <a:ext uri="{FF2B5EF4-FFF2-40B4-BE49-F238E27FC236}">
+                <a16:creationId xmlns:a16="http://schemas.microsoft.com/office/drawing/2014/main" id="{B56BBF8A-E7F4-6E6D-4698-B9A152F04064}"/>
+              </a:ext>
+            </a:extLst>
+          </p:cNvPr>
+          <p:cNvSpPr/>
+          <p:nvPr/>
+        </p:nvSpPr>
+        <p:spPr>
+          <a:xfrm>
+            <a:off x="6051600" y="2843590"/>
+            <a:ext cx="1170819" cy="1170819"/>
+          </a:xfrm>
+          <a:prstGeom prst="ellipse">
+            <a:avLst/>
+          </a:prstGeom>
+          <a:noFill/>
+          <a:ln w="28575">
+            <a:solidFill>
+              <a:schemeClr val="tx1"/>
+            </a:solidFill>
+          </a:ln>
+        </p:spPr>
+        <p:style>
+          <a:lnRef idx="2">
+            <a:schemeClr val="accent1">
+              <a:shade val="15000"/>
+            </a:schemeClr>
+          </a:lnRef>
+          <a:fillRef idx="1">
+            <a:schemeClr val="accent1"/>
+          </a:fillRef>
+          <a:effectRef idx="0">
+            <a:schemeClr val="accent1"/>
+          </a:effectRef>
+          <a:fontRef idx="minor">
+            <a:schemeClr val="lt1"/>
+          </a:fontRef>
+        </p:style>
+        <p:txBody>
+          <a:bodyPr rtlCol="0" anchor="ctr"/>
+          <a:lstStyle/>
+          <a:p>
+            <a:pPr algn="ctr"/>
+            <a:r>
+              <a:rPr lang="en-US" sz="1100" dirty="0">
+                <a:solidFill>
+                  <a:schemeClr val="tx1"/>
+                </a:solidFill>
+              </a:rPr>
+              <a:t>En=HIGH</a:t>
+            </a:r>
+          </a:p>
+          <a:p>
+            <a:pPr algn="ctr"/>
+            <a:r>
+              <a:rPr lang="en-US" sz="1100" dirty="0">
+                <a:solidFill>
+                  <a:schemeClr val="tx1"/>
+                </a:solidFill>
+              </a:rPr>
+              <a:t>Delay</a:t>
+            </a:r>
+          </a:p>
+        </p:txBody>
+      </p:sp>
+      <p:cxnSp>
+        <p:nvCxnSpPr>
+          <p:cNvPr id="8" name="Straight Arrow Connector 7">
+            <a:extLst>
+              <a:ext uri="{FF2B5EF4-FFF2-40B4-BE49-F238E27FC236}">
+                <a16:creationId xmlns:a16="http://schemas.microsoft.com/office/drawing/2014/main" id="{7B89BB3B-3FA2-956C-8965-579866239307}"/>
+              </a:ext>
+            </a:extLst>
+          </p:cNvPr>
+          <p:cNvCxnSpPr>
+            <a:cxnSpLocks/>
+            <a:stCxn id="4" idx="6"/>
+            <a:endCxn id="5" idx="2"/>
+          </p:cNvCxnSpPr>
+          <p:nvPr/>
+        </p:nvCxnSpPr>
+        <p:spPr>
+          <a:xfrm>
+            <a:off x="3769305" y="3429000"/>
+            <a:ext cx="555738" cy="0"/>
+          </a:xfrm>
+          <a:prstGeom prst="straightConnector1">
+            <a:avLst/>
+          </a:prstGeom>
+          <a:ln>
+            <a:solidFill>
+              <a:schemeClr val="tx1"/>
+            </a:solidFill>
+            <a:tailEnd type="triangle"/>
+          </a:ln>
+        </p:spPr>
+        <p:style>
+          <a:lnRef idx="2">
+            <a:schemeClr val="accent1"/>
+          </a:lnRef>
+          <a:fillRef idx="0">
+            <a:schemeClr val="accent1"/>
+          </a:fillRef>
+          <a:effectRef idx="1">
+            <a:schemeClr val="accent1"/>
+          </a:effectRef>
+          <a:fontRef idx="minor">
+            <a:schemeClr val="tx1"/>
+          </a:fontRef>
+        </p:style>
+      </p:cxnSp>
+      <p:cxnSp>
+        <p:nvCxnSpPr>
+          <p:cNvPr id="9" name="Straight Arrow Connector 8">
+            <a:extLst>
+              <a:ext uri="{FF2B5EF4-FFF2-40B4-BE49-F238E27FC236}">
+                <a16:creationId xmlns:a16="http://schemas.microsoft.com/office/drawing/2014/main" id="{F2BF4EEA-C34C-305F-79EC-8CABCF366B24}"/>
+              </a:ext>
+            </a:extLst>
+          </p:cNvPr>
+          <p:cNvCxnSpPr>
+            <a:cxnSpLocks/>
+          </p:cNvCxnSpPr>
+          <p:nvPr/>
+        </p:nvCxnSpPr>
+        <p:spPr>
+          <a:xfrm>
+            <a:off x="5495862" y="3428999"/>
+            <a:ext cx="555738" cy="0"/>
+          </a:xfrm>
+          <a:prstGeom prst="straightConnector1">
+            <a:avLst/>
+          </a:prstGeom>
+          <a:ln>
+            <a:solidFill>
+              <a:schemeClr val="tx1"/>
+            </a:solidFill>
+            <a:tailEnd type="triangle"/>
+          </a:ln>
+        </p:spPr>
+        <p:style>
+          <a:lnRef idx="2">
+            <a:schemeClr val="accent1"/>
+          </a:lnRef>
+          <a:fillRef idx="0">
+            <a:schemeClr val="accent1"/>
+          </a:fillRef>
+          <a:effectRef idx="1">
+            <a:schemeClr val="accent1"/>
+          </a:effectRef>
+          <a:fontRef idx="minor">
+            <a:schemeClr val="tx1"/>
+          </a:fontRef>
+        </p:style>
+      </p:cxnSp>
+      <p:cxnSp>
+        <p:nvCxnSpPr>
+          <p:cNvPr id="11" name="Connector: Curved 10">
+            <a:extLst>
+              <a:ext uri="{FF2B5EF4-FFF2-40B4-BE49-F238E27FC236}">
+                <a16:creationId xmlns:a16="http://schemas.microsoft.com/office/drawing/2014/main" id="{F852AED6-5510-3BD3-2887-1CF180968412}"/>
+              </a:ext>
+            </a:extLst>
+          </p:cNvPr>
+          <p:cNvCxnSpPr>
+            <a:stCxn id="6" idx="6"/>
+            <a:endCxn id="4" idx="2"/>
+          </p:cNvCxnSpPr>
+          <p:nvPr/>
+        </p:nvCxnSpPr>
+        <p:spPr>
+          <a:xfrm flipH="1">
+            <a:off x="2598486" y="3429000"/>
+            <a:ext cx="4623933" cy="12700"/>
+          </a:xfrm>
+          <a:prstGeom prst="curvedConnector5">
+            <a:avLst>
+              <a:gd name="adj1" fmla="val -4944"/>
+              <a:gd name="adj2" fmla="val -8331701"/>
+              <a:gd name="adj3" fmla="val 104944"/>
+            </a:avLst>
+          </a:prstGeom>
+          <a:ln>
+            <a:solidFill>
+              <a:schemeClr val="tx1"/>
+            </a:solidFill>
+            <a:tailEnd type="triangle"/>
+          </a:ln>
+        </p:spPr>
+        <p:style>
+          <a:lnRef idx="2">
+            <a:schemeClr val="accent1"/>
+          </a:lnRef>
+          <a:fillRef idx="0">
+            <a:schemeClr val="accent1"/>
+          </a:fillRef>
+          <a:effectRef idx="1">
+            <a:schemeClr val="accent1"/>
+          </a:effectRef>
+          <a:fontRef idx="minor">
+            <a:schemeClr val="tx1"/>
+          </a:fontRef>
+        </p:style>
+      </p:cxnSp>
+    </p:spTree>
+    <p:extLst>
+      <p:ext uri="{BB962C8B-B14F-4D97-AF65-F5344CB8AC3E}">
+        <p14:creationId xmlns:p14="http://schemas.microsoft.com/office/powerpoint/2010/main" val="797213795"/>
       </p:ext>
     </p:extLst>
   </p:cSld>

--- a/ADC_Design/FIgures/ADC_2-bit_Architecture.pptx
+++ b/ADC_Design/FIgures/ADC_2-bit_Architecture.pptx
@@ -6,7 +6,8 @@
   </p:sldMasterIdLst>
   <p:sldIdLst>
     <p:sldId id="256" r:id="rId2"/>
-    <p:sldId id="257" r:id="rId3"/>
+    <p:sldId id="258" r:id="rId3"/>
+    <p:sldId id="257" r:id="rId4"/>
   </p:sldIdLst>
   <p:sldSz cx="12192000" cy="6858000"/>
   <p:notesSz cx="6858000" cy="9144000"/>
@@ -260,7 +261,7 @@
           <a:p>
             <a:fld id="{624A1D4A-3BD5-4492-98F6-F753A11110B9}" type="datetimeFigureOut">
               <a:rPr lang="en-US" smtClean="0"/>
-              <a:t>6/9/2024</a:t>
+              <a:t>6/10/2024</a:t>
             </a:fld>
             <a:endParaRPr lang="en-US"/>
           </a:p>
@@ -458,7 +459,7 @@
           <a:p>
             <a:fld id="{624A1D4A-3BD5-4492-98F6-F753A11110B9}" type="datetimeFigureOut">
               <a:rPr lang="en-US" smtClean="0"/>
-              <a:t>6/9/2024</a:t>
+              <a:t>6/10/2024</a:t>
             </a:fld>
             <a:endParaRPr lang="en-US"/>
           </a:p>
@@ -666,7 +667,7 @@
           <a:p>
             <a:fld id="{624A1D4A-3BD5-4492-98F6-F753A11110B9}" type="datetimeFigureOut">
               <a:rPr lang="en-US" smtClean="0"/>
-              <a:t>6/9/2024</a:t>
+              <a:t>6/10/2024</a:t>
             </a:fld>
             <a:endParaRPr lang="en-US"/>
           </a:p>
@@ -864,7 +865,7 @@
           <a:p>
             <a:fld id="{624A1D4A-3BD5-4492-98F6-F753A11110B9}" type="datetimeFigureOut">
               <a:rPr lang="en-US" smtClean="0"/>
-              <a:t>6/9/2024</a:t>
+              <a:t>6/10/2024</a:t>
             </a:fld>
             <a:endParaRPr lang="en-US"/>
           </a:p>
@@ -1139,7 +1140,7 @@
           <a:p>
             <a:fld id="{624A1D4A-3BD5-4492-98F6-F753A11110B9}" type="datetimeFigureOut">
               <a:rPr lang="en-US" smtClean="0"/>
-              <a:t>6/9/2024</a:t>
+              <a:t>6/10/2024</a:t>
             </a:fld>
             <a:endParaRPr lang="en-US"/>
           </a:p>
@@ -1404,7 +1405,7 @@
           <a:p>
             <a:fld id="{624A1D4A-3BD5-4492-98F6-F753A11110B9}" type="datetimeFigureOut">
               <a:rPr lang="en-US" smtClean="0"/>
-              <a:t>6/9/2024</a:t>
+              <a:t>6/10/2024</a:t>
             </a:fld>
             <a:endParaRPr lang="en-US"/>
           </a:p>
@@ -1816,7 +1817,7 @@
           <a:p>
             <a:fld id="{624A1D4A-3BD5-4492-98F6-F753A11110B9}" type="datetimeFigureOut">
               <a:rPr lang="en-US" smtClean="0"/>
-              <a:t>6/9/2024</a:t>
+              <a:t>6/10/2024</a:t>
             </a:fld>
             <a:endParaRPr lang="en-US"/>
           </a:p>
@@ -1957,7 +1958,7 @@
           <a:p>
             <a:fld id="{624A1D4A-3BD5-4492-98F6-F753A11110B9}" type="datetimeFigureOut">
               <a:rPr lang="en-US" smtClean="0"/>
-              <a:t>6/9/2024</a:t>
+              <a:t>6/10/2024</a:t>
             </a:fld>
             <a:endParaRPr lang="en-US"/>
           </a:p>
@@ -2070,7 +2071,7 @@
           <a:p>
             <a:fld id="{624A1D4A-3BD5-4492-98F6-F753A11110B9}" type="datetimeFigureOut">
               <a:rPr lang="en-US" smtClean="0"/>
-              <a:t>6/9/2024</a:t>
+              <a:t>6/10/2024</a:t>
             </a:fld>
             <a:endParaRPr lang="en-US"/>
           </a:p>
@@ -2381,7 +2382,7 @@
           <a:p>
             <a:fld id="{624A1D4A-3BD5-4492-98F6-F753A11110B9}" type="datetimeFigureOut">
               <a:rPr lang="en-US" smtClean="0"/>
-              <a:t>6/9/2024</a:t>
+              <a:t>6/10/2024</a:t>
             </a:fld>
             <a:endParaRPr lang="en-US"/>
           </a:p>
@@ -2669,7 +2670,7 @@
           <a:p>
             <a:fld id="{624A1D4A-3BD5-4492-98F6-F753A11110B9}" type="datetimeFigureOut">
               <a:rPr lang="en-US" smtClean="0"/>
-              <a:t>6/9/2024</a:t>
+              <a:t>6/10/2024</a:t>
             </a:fld>
             <a:endParaRPr lang="en-US"/>
           </a:p>
@@ -2910,7 +2911,7 @@
           <a:p>
             <a:fld id="{624A1D4A-3BD5-4492-98F6-F753A11110B9}" type="datetimeFigureOut">
               <a:rPr lang="en-US" smtClean="0"/>
-              <a:t>6/9/2024</a:t>
+              <a:t>6/10/2024</a:t>
             </a:fld>
             <a:endParaRPr lang="en-US"/>
           </a:p>
@@ -4007,6 +4008,702 @@
 </file>
 
 <file path=ppt/slides/slide2.xml><?xml version="1.0" encoding="utf-8"?>
+<p:sld xmlns:a="http://schemas.openxmlformats.org/drawingml/2006/main" xmlns:r="http://schemas.openxmlformats.org/officeDocument/2006/relationships" xmlns:p="http://schemas.openxmlformats.org/presentationml/2006/main">
+  <p:cSld>
+    <p:spTree>
+      <p:nvGrpSpPr>
+        <p:cNvPr id="1" name=""/>
+        <p:cNvGrpSpPr/>
+        <p:nvPr/>
+      </p:nvGrpSpPr>
+      <p:grpSpPr>
+        <a:xfrm>
+          <a:off x="0" y="0"/>
+          <a:ext cx="0" cy="0"/>
+          <a:chOff x="0" y="0"/>
+          <a:chExt cx="0" cy="0"/>
+        </a:xfrm>
+      </p:grpSpPr>
+      <p:sp>
+        <p:nvSpPr>
+          <p:cNvPr id="4" name="Rectangle: Rounded Corners 3">
+            <a:extLst>
+              <a:ext uri="{FF2B5EF4-FFF2-40B4-BE49-F238E27FC236}">
+                <a16:creationId xmlns:a16="http://schemas.microsoft.com/office/drawing/2014/main" id="{14691189-81C0-5643-A46A-C9AE0A999DE9}"/>
+              </a:ext>
+            </a:extLst>
+          </p:cNvPr>
+          <p:cNvSpPr/>
+          <p:nvPr/>
+        </p:nvSpPr>
+        <p:spPr>
+          <a:xfrm>
+            <a:off x="2970784" y="1560890"/>
+            <a:ext cx="4185920" cy="3011110"/>
+          </a:xfrm>
+          <a:prstGeom prst="roundRect">
+            <a:avLst/>
+          </a:prstGeom>
+          <a:noFill/>
+          <a:ln w="19050"/>
+        </p:spPr>
+        <p:style>
+          <a:lnRef idx="2">
+            <a:schemeClr val="accent1">
+              <a:shade val="15000"/>
+            </a:schemeClr>
+          </a:lnRef>
+          <a:fillRef idx="1">
+            <a:schemeClr val="accent1"/>
+          </a:fillRef>
+          <a:effectRef idx="0">
+            <a:schemeClr val="accent1"/>
+          </a:effectRef>
+          <a:fontRef idx="minor">
+            <a:schemeClr val="lt1"/>
+          </a:fontRef>
+        </p:style>
+        <p:txBody>
+          <a:bodyPr rtlCol="0" anchor="ctr"/>
+          <a:lstStyle/>
+          <a:p>
+            <a:pPr algn="ctr"/>
+            <a:endParaRPr lang="en-US" sz="1200" dirty="0">
+              <a:solidFill>
+                <a:schemeClr val="tx1"/>
+              </a:solidFill>
+            </a:endParaRPr>
+          </a:p>
+        </p:txBody>
+      </p:sp>
+      <p:sp>
+        <p:nvSpPr>
+          <p:cNvPr id="5" name="Rectangle: Rounded Corners 4">
+            <a:extLst>
+              <a:ext uri="{FF2B5EF4-FFF2-40B4-BE49-F238E27FC236}">
+                <a16:creationId xmlns:a16="http://schemas.microsoft.com/office/drawing/2014/main" id="{A368E1D5-07FA-4E57-E6ED-0FAE82608C00}"/>
+              </a:ext>
+            </a:extLst>
+          </p:cNvPr>
+          <p:cNvSpPr/>
+          <p:nvPr/>
+        </p:nvSpPr>
+        <p:spPr>
+          <a:xfrm>
+            <a:off x="7806084" y="2256063"/>
+            <a:ext cx="943598" cy="1620762"/>
+          </a:xfrm>
+          <a:prstGeom prst="roundRect">
+            <a:avLst/>
+          </a:prstGeom>
+          <a:noFill/>
+          <a:ln w="19050"/>
+        </p:spPr>
+        <p:style>
+          <a:lnRef idx="2">
+            <a:schemeClr val="accent1">
+              <a:shade val="15000"/>
+            </a:schemeClr>
+          </a:lnRef>
+          <a:fillRef idx="1">
+            <a:schemeClr val="accent1"/>
+          </a:fillRef>
+          <a:effectRef idx="0">
+            <a:schemeClr val="accent1"/>
+          </a:effectRef>
+          <a:fontRef idx="minor">
+            <a:schemeClr val="lt1"/>
+          </a:fontRef>
+        </p:style>
+        <p:txBody>
+          <a:bodyPr rtlCol="0" anchor="ctr"/>
+          <a:lstStyle/>
+          <a:p>
+            <a:pPr algn="ctr"/>
+            <a:r>
+              <a:rPr lang="en-US" sz="1200" dirty="0">
+                <a:solidFill>
+                  <a:schemeClr val="tx1"/>
+                </a:solidFill>
+              </a:rPr>
+              <a:t>MCU</a:t>
+            </a:r>
+          </a:p>
+        </p:txBody>
+      </p:sp>
+      <p:cxnSp>
+        <p:nvCxnSpPr>
+          <p:cNvPr id="7" name="Straight Arrow Connector 6">
+            <a:extLst>
+              <a:ext uri="{FF2B5EF4-FFF2-40B4-BE49-F238E27FC236}">
+                <a16:creationId xmlns:a16="http://schemas.microsoft.com/office/drawing/2014/main" id="{7F294A37-500F-6D15-C7AF-9E61899C544B}"/>
+              </a:ext>
+            </a:extLst>
+          </p:cNvPr>
+          <p:cNvCxnSpPr>
+            <a:cxnSpLocks/>
+            <a:endCxn id="23" idx="1"/>
+          </p:cNvCxnSpPr>
+          <p:nvPr/>
+        </p:nvCxnSpPr>
+        <p:spPr>
+          <a:xfrm>
+            <a:off x="2488899" y="3066445"/>
+            <a:ext cx="1070270" cy="0"/>
+          </a:xfrm>
+          <a:prstGeom prst="straightConnector1">
+            <a:avLst/>
+          </a:prstGeom>
+          <a:ln>
+            <a:solidFill>
+              <a:schemeClr val="tx1"/>
+            </a:solidFill>
+            <a:tailEnd type="triangle"/>
+          </a:ln>
+        </p:spPr>
+        <p:style>
+          <a:lnRef idx="2">
+            <a:schemeClr val="accent1"/>
+          </a:lnRef>
+          <a:fillRef idx="0">
+            <a:schemeClr val="accent1"/>
+          </a:fillRef>
+          <a:effectRef idx="1">
+            <a:schemeClr val="accent1"/>
+          </a:effectRef>
+          <a:fontRef idx="minor">
+            <a:schemeClr val="tx1"/>
+          </a:fontRef>
+        </p:style>
+      </p:cxnSp>
+      <p:cxnSp>
+        <p:nvCxnSpPr>
+          <p:cNvPr id="12" name="Straight Connector 11">
+            <a:extLst>
+              <a:ext uri="{FF2B5EF4-FFF2-40B4-BE49-F238E27FC236}">
+                <a16:creationId xmlns:a16="http://schemas.microsoft.com/office/drawing/2014/main" id="{1339FB4B-D2C6-EDFE-4B4E-56F205709562}"/>
+              </a:ext>
+            </a:extLst>
+          </p:cNvPr>
+          <p:cNvCxnSpPr>
+            <a:cxnSpLocks/>
+          </p:cNvCxnSpPr>
+          <p:nvPr/>
+        </p:nvCxnSpPr>
+        <p:spPr>
+          <a:xfrm flipV="1">
+            <a:off x="7357331" y="2939342"/>
+            <a:ext cx="248126" cy="248126"/>
+          </a:xfrm>
+          <a:prstGeom prst="line">
+            <a:avLst/>
+          </a:prstGeom>
+          <a:ln>
+            <a:solidFill>
+              <a:schemeClr val="tx1"/>
+            </a:solidFill>
+          </a:ln>
+        </p:spPr>
+        <p:style>
+          <a:lnRef idx="2">
+            <a:schemeClr val="accent1"/>
+          </a:lnRef>
+          <a:fillRef idx="0">
+            <a:schemeClr val="accent1"/>
+          </a:fillRef>
+          <a:effectRef idx="1">
+            <a:schemeClr val="accent1"/>
+          </a:effectRef>
+          <a:fontRef idx="minor">
+            <a:schemeClr val="tx1"/>
+          </a:fontRef>
+        </p:style>
+      </p:cxnSp>
+      <p:sp>
+        <p:nvSpPr>
+          <p:cNvPr id="20" name="TextBox 19">
+            <a:extLst>
+              <a:ext uri="{FF2B5EF4-FFF2-40B4-BE49-F238E27FC236}">
+                <a16:creationId xmlns:a16="http://schemas.microsoft.com/office/drawing/2014/main" id="{FDC4EEAA-E28E-5BB4-3320-5B1B3F76DD3A}"/>
+              </a:ext>
+            </a:extLst>
+          </p:cNvPr>
+          <p:cNvSpPr txBox="1"/>
+          <p:nvPr/>
+        </p:nvSpPr>
+        <p:spPr>
+          <a:xfrm>
+            <a:off x="2544421" y="2800843"/>
+            <a:ext cx="354584" cy="276999"/>
+          </a:xfrm>
+          <a:prstGeom prst="rect">
+            <a:avLst/>
+          </a:prstGeom>
+          <a:noFill/>
+        </p:spPr>
+        <p:txBody>
+          <a:bodyPr wrap="none" rtlCol="0">
+            <a:spAutoFit/>
+          </a:bodyPr>
+          <a:lstStyle/>
+          <a:p>
+            <a:r>
+              <a:rPr lang="en-US" sz="1200" dirty="0"/>
+              <a:t>V</a:t>
+            </a:r>
+            <a:r>
+              <a:rPr lang="en-US" sz="1200" baseline="-25000" dirty="0"/>
+              <a:t>in</a:t>
+            </a:r>
+          </a:p>
+        </p:txBody>
+      </p:sp>
+      <p:sp>
+        <p:nvSpPr>
+          <p:cNvPr id="23" name="Rectangle: Rounded Corners 22">
+            <a:extLst>
+              <a:ext uri="{FF2B5EF4-FFF2-40B4-BE49-F238E27FC236}">
+                <a16:creationId xmlns:a16="http://schemas.microsoft.com/office/drawing/2014/main" id="{B0817178-18F9-C56C-6B89-FA71198220F2}"/>
+              </a:ext>
+            </a:extLst>
+          </p:cNvPr>
+          <p:cNvSpPr/>
+          <p:nvPr/>
+        </p:nvSpPr>
+        <p:spPr>
+          <a:xfrm>
+            <a:off x="3559169" y="1968895"/>
+            <a:ext cx="1161605" cy="2195099"/>
+          </a:xfrm>
+          <a:prstGeom prst="roundRect">
+            <a:avLst/>
+          </a:prstGeom>
+          <a:noFill/>
+          <a:ln w="19050"/>
+        </p:spPr>
+        <p:style>
+          <a:lnRef idx="2">
+            <a:schemeClr val="accent1">
+              <a:shade val="15000"/>
+            </a:schemeClr>
+          </a:lnRef>
+          <a:fillRef idx="1">
+            <a:schemeClr val="accent1"/>
+          </a:fillRef>
+          <a:effectRef idx="0">
+            <a:schemeClr val="accent1"/>
+          </a:effectRef>
+          <a:fontRef idx="minor">
+            <a:schemeClr val="lt1"/>
+          </a:fontRef>
+        </p:style>
+        <p:txBody>
+          <a:bodyPr rtlCol="0" anchor="ctr"/>
+          <a:lstStyle/>
+          <a:p>
+            <a:pPr algn="ctr"/>
+            <a:r>
+              <a:rPr lang="en-US" sz="1200" dirty="0">
+                <a:solidFill>
+                  <a:schemeClr val="tx1"/>
+                </a:solidFill>
+              </a:rPr>
+              <a:t>ADC Logic</a:t>
+            </a:r>
+          </a:p>
+        </p:txBody>
+      </p:sp>
+      <p:sp>
+        <p:nvSpPr>
+          <p:cNvPr id="25" name="TextBox 24">
+            <a:extLst>
+              <a:ext uri="{FF2B5EF4-FFF2-40B4-BE49-F238E27FC236}">
+                <a16:creationId xmlns:a16="http://schemas.microsoft.com/office/drawing/2014/main" id="{6B753254-85EC-9315-5BE8-2A678F74B695}"/>
+              </a:ext>
+            </a:extLst>
+          </p:cNvPr>
+          <p:cNvSpPr txBox="1"/>
+          <p:nvPr/>
+        </p:nvSpPr>
+        <p:spPr>
+          <a:xfrm>
+            <a:off x="3404947" y="1626393"/>
+            <a:ext cx="881973" cy="276999"/>
+          </a:xfrm>
+          <a:prstGeom prst="rect">
+            <a:avLst/>
+          </a:prstGeom>
+          <a:noFill/>
+        </p:spPr>
+        <p:txBody>
+          <a:bodyPr wrap="none" rtlCol="0">
+            <a:spAutoFit/>
+          </a:bodyPr>
+          <a:lstStyle/>
+          <a:p>
+            <a:r>
+              <a:rPr lang="en-US" sz="1200" dirty="0"/>
+              <a:t>Flash ADC</a:t>
+            </a:r>
+            <a:endParaRPr lang="en-US" sz="1200" baseline="-25000" dirty="0"/>
+          </a:p>
+        </p:txBody>
+      </p:sp>
+      <p:sp>
+        <p:nvSpPr>
+          <p:cNvPr id="28" name="Rectangle: Rounded Corners 27">
+            <a:extLst>
+              <a:ext uri="{FF2B5EF4-FFF2-40B4-BE49-F238E27FC236}">
+                <a16:creationId xmlns:a16="http://schemas.microsoft.com/office/drawing/2014/main" id="{74E7C642-72E9-A9CE-D5AE-92D74AA333AA}"/>
+              </a:ext>
+            </a:extLst>
+          </p:cNvPr>
+          <p:cNvSpPr/>
+          <p:nvPr/>
+        </p:nvSpPr>
+        <p:spPr>
+          <a:xfrm>
+            <a:off x="5345719" y="1968895"/>
+            <a:ext cx="1161605" cy="2195099"/>
+          </a:xfrm>
+          <a:prstGeom prst="roundRect">
+            <a:avLst/>
+          </a:prstGeom>
+          <a:noFill/>
+          <a:ln w="19050"/>
+        </p:spPr>
+        <p:style>
+          <a:lnRef idx="2">
+            <a:schemeClr val="accent1">
+              <a:shade val="15000"/>
+            </a:schemeClr>
+          </a:lnRef>
+          <a:fillRef idx="1">
+            <a:schemeClr val="accent1"/>
+          </a:fillRef>
+          <a:effectRef idx="0">
+            <a:schemeClr val="accent1"/>
+          </a:effectRef>
+          <a:fontRef idx="minor">
+            <a:schemeClr val="lt1"/>
+          </a:fontRef>
+        </p:style>
+        <p:txBody>
+          <a:bodyPr rtlCol="0" anchor="ctr"/>
+          <a:lstStyle/>
+          <a:p>
+            <a:pPr algn="ctr"/>
+            <a:r>
+              <a:rPr lang="en-US" sz="1200" dirty="0">
+                <a:solidFill>
+                  <a:schemeClr val="tx1"/>
+                </a:solidFill>
+              </a:rPr>
+              <a:t>Priority Encoder</a:t>
+            </a:r>
+          </a:p>
+        </p:txBody>
+      </p:sp>
+      <p:cxnSp>
+        <p:nvCxnSpPr>
+          <p:cNvPr id="32" name="Straight Arrow Connector 31">
+            <a:extLst>
+              <a:ext uri="{FF2B5EF4-FFF2-40B4-BE49-F238E27FC236}">
+                <a16:creationId xmlns:a16="http://schemas.microsoft.com/office/drawing/2014/main" id="{4E88FA0E-9FBD-600E-D71D-9AE5C744D0A5}"/>
+              </a:ext>
+            </a:extLst>
+          </p:cNvPr>
+          <p:cNvCxnSpPr>
+            <a:cxnSpLocks/>
+            <a:stCxn id="23" idx="3"/>
+            <a:endCxn id="28" idx="1"/>
+          </p:cNvCxnSpPr>
+          <p:nvPr/>
+        </p:nvCxnSpPr>
+        <p:spPr>
+          <a:xfrm>
+            <a:off x="4720774" y="3066445"/>
+            <a:ext cx="624945" cy="0"/>
+          </a:xfrm>
+          <a:prstGeom prst="straightConnector1">
+            <a:avLst/>
+          </a:prstGeom>
+          <a:ln>
+            <a:solidFill>
+              <a:schemeClr val="tx1"/>
+            </a:solidFill>
+            <a:tailEnd type="triangle"/>
+          </a:ln>
+        </p:spPr>
+        <p:style>
+          <a:lnRef idx="2">
+            <a:schemeClr val="accent1"/>
+          </a:lnRef>
+          <a:fillRef idx="0">
+            <a:schemeClr val="accent1"/>
+          </a:fillRef>
+          <a:effectRef idx="1">
+            <a:schemeClr val="accent1"/>
+          </a:effectRef>
+          <a:fontRef idx="minor">
+            <a:schemeClr val="tx1"/>
+          </a:fontRef>
+        </p:style>
+      </p:cxnSp>
+      <p:cxnSp>
+        <p:nvCxnSpPr>
+          <p:cNvPr id="35" name="Straight Connector 34">
+            <a:extLst>
+              <a:ext uri="{FF2B5EF4-FFF2-40B4-BE49-F238E27FC236}">
+                <a16:creationId xmlns:a16="http://schemas.microsoft.com/office/drawing/2014/main" id="{8EB87A0F-0DE7-CDDA-FDA7-C56FABE87B4F}"/>
+              </a:ext>
+            </a:extLst>
+          </p:cNvPr>
+          <p:cNvCxnSpPr>
+            <a:cxnSpLocks/>
+          </p:cNvCxnSpPr>
+          <p:nvPr/>
+        </p:nvCxnSpPr>
+        <p:spPr>
+          <a:xfrm flipV="1">
+            <a:off x="4909183" y="2942381"/>
+            <a:ext cx="248126" cy="248126"/>
+          </a:xfrm>
+          <a:prstGeom prst="line">
+            <a:avLst/>
+          </a:prstGeom>
+          <a:ln>
+            <a:solidFill>
+              <a:schemeClr val="tx1"/>
+            </a:solidFill>
+          </a:ln>
+        </p:spPr>
+        <p:style>
+          <a:lnRef idx="2">
+            <a:schemeClr val="accent1"/>
+          </a:lnRef>
+          <a:fillRef idx="0">
+            <a:schemeClr val="accent1"/>
+          </a:fillRef>
+          <a:effectRef idx="1">
+            <a:schemeClr val="accent1"/>
+          </a:effectRef>
+          <a:fontRef idx="minor">
+            <a:schemeClr val="tx1"/>
+          </a:fontRef>
+        </p:style>
+      </p:cxnSp>
+      <p:sp>
+        <p:nvSpPr>
+          <p:cNvPr id="36" name="TextBox 35">
+            <a:extLst>
+              <a:ext uri="{FF2B5EF4-FFF2-40B4-BE49-F238E27FC236}">
+                <a16:creationId xmlns:a16="http://schemas.microsoft.com/office/drawing/2014/main" id="{84D12813-18E8-C55B-57F2-BD1CF8E20EFE}"/>
+              </a:ext>
+            </a:extLst>
+          </p:cNvPr>
+          <p:cNvSpPr txBox="1"/>
+          <p:nvPr/>
+        </p:nvSpPr>
+        <p:spPr>
+          <a:xfrm>
+            <a:off x="4859160" y="2800843"/>
+            <a:ext cx="348172" cy="276999"/>
+          </a:xfrm>
+          <a:prstGeom prst="rect">
+            <a:avLst/>
+          </a:prstGeom>
+          <a:noFill/>
+        </p:spPr>
+        <p:txBody>
+          <a:bodyPr wrap="none" rtlCol="0">
+            <a:spAutoFit/>
+          </a:bodyPr>
+          <a:lstStyle/>
+          <a:p>
+            <a:r>
+              <a:rPr lang="en-US" sz="1200" dirty="0"/>
+              <a:t>16</a:t>
+            </a:r>
+            <a:endParaRPr lang="en-US" sz="1200" baseline="-25000" dirty="0"/>
+          </a:p>
+        </p:txBody>
+      </p:sp>
+      <p:cxnSp>
+        <p:nvCxnSpPr>
+          <p:cNvPr id="46" name="Straight Arrow Connector 45">
+            <a:extLst>
+              <a:ext uri="{FF2B5EF4-FFF2-40B4-BE49-F238E27FC236}">
+                <a16:creationId xmlns:a16="http://schemas.microsoft.com/office/drawing/2014/main" id="{2D7D4EE5-6A48-8FAE-107C-371004C5762D}"/>
+              </a:ext>
+            </a:extLst>
+          </p:cNvPr>
+          <p:cNvCxnSpPr>
+            <a:cxnSpLocks/>
+            <a:stCxn id="28" idx="3"/>
+            <a:endCxn id="5" idx="1"/>
+          </p:cNvCxnSpPr>
+          <p:nvPr/>
+        </p:nvCxnSpPr>
+        <p:spPr>
+          <a:xfrm flipV="1">
+            <a:off x="6507324" y="3066444"/>
+            <a:ext cx="1298760" cy="1"/>
+          </a:xfrm>
+          <a:prstGeom prst="straightConnector1">
+            <a:avLst/>
+          </a:prstGeom>
+          <a:ln>
+            <a:solidFill>
+              <a:schemeClr val="tx1"/>
+            </a:solidFill>
+            <a:tailEnd type="triangle"/>
+          </a:ln>
+        </p:spPr>
+        <p:style>
+          <a:lnRef idx="2">
+            <a:schemeClr val="accent1"/>
+          </a:lnRef>
+          <a:fillRef idx="0">
+            <a:schemeClr val="accent1"/>
+          </a:fillRef>
+          <a:effectRef idx="1">
+            <a:schemeClr val="accent1"/>
+          </a:effectRef>
+          <a:fontRef idx="minor">
+            <a:schemeClr val="tx1"/>
+          </a:fontRef>
+        </p:style>
+      </p:cxnSp>
+      <p:sp>
+        <p:nvSpPr>
+          <p:cNvPr id="51" name="TextBox 50">
+            <a:extLst>
+              <a:ext uri="{FF2B5EF4-FFF2-40B4-BE49-F238E27FC236}">
+                <a16:creationId xmlns:a16="http://schemas.microsoft.com/office/drawing/2014/main" id="{40F623D5-B903-5652-7A3A-F65BEC3BF11D}"/>
+              </a:ext>
+            </a:extLst>
+          </p:cNvPr>
+          <p:cNvSpPr txBox="1"/>
+          <p:nvPr/>
+        </p:nvSpPr>
+        <p:spPr>
+          <a:xfrm>
+            <a:off x="7334057" y="2820014"/>
+            <a:ext cx="266420" cy="276999"/>
+          </a:xfrm>
+          <a:prstGeom prst="rect">
+            <a:avLst/>
+          </a:prstGeom>
+          <a:noFill/>
+        </p:spPr>
+        <p:txBody>
+          <a:bodyPr wrap="none" rtlCol="0">
+            <a:spAutoFit/>
+          </a:bodyPr>
+          <a:lstStyle/>
+          <a:p>
+            <a:r>
+              <a:rPr lang="en-US" sz="1200" dirty="0"/>
+              <a:t>4</a:t>
+            </a:r>
+          </a:p>
+        </p:txBody>
+      </p:sp>
+      <p:cxnSp>
+        <p:nvCxnSpPr>
+          <p:cNvPr id="2" name="Straight Arrow Connector 1">
+            <a:extLst>
+              <a:ext uri="{FF2B5EF4-FFF2-40B4-BE49-F238E27FC236}">
+                <a16:creationId xmlns:a16="http://schemas.microsoft.com/office/drawing/2014/main" id="{BBD96E8E-8A04-A896-5060-EADAB144BF15}"/>
+              </a:ext>
+            </a:extLst>
+          </p:cNvPr>
+          <p:cNvCxnSpPr>
+            <a:cxnSpLocks/>
+          </p:cNvCxnSpPr>
+          <p:nvPr/>
+        </p:nvCxnSpPr>
+        <p:spPr>
+          <a:xfrm>
+            <a:off x="2488899" y="3488116"/>
+            <a:ext cx="1070270" cy="0"/>
+          </a:xfrm>
+          <a:prstGeom prst="straightConnector1">
+            <a:avLst/>
+          </a:prstGeom>
+          <a:ln>
+            <a:solidFill>
+              <a:schemeClr val="tx1"/>
+            </a:solidFill>
+            <a:tailEnd type="triangle"/>
+          </a:ln>
+        </p:spPr>
+        <p:style>
+          <a:lnRef idx="2">
+            <a:schemeClr val="accent1"/>
+          </a:lnRef>
+          <a:fillRef idx="0">
+            <a:schemeClr val="accent1"/>
+          </a:fillRef>
+          <a:effectRef idx="1">
+            <a:schemeClr val="accent1"/>
+          </a:effectRef>
+          <a:fontRef idx="minor">
+            <a:schemeClr val="tx1"/>
+          </a:fontRef>
+        </p:style>
+      </p:cxnSp>
+      <p:sp>
+        <p:nvSpPr>
+          <p:cNvPr id="3" name="TextBox 2">
+            <a:extLst>
+              <a:ext uri="{FF2B5EF4-FFF2-40B4-BE49-F238E27FC236}">
+                <a16:creationId xmlns:a16="http://schemas.microsoft.com/office/drawing/2014/main" id="{0AA60838-635D-D128-CFB7-A90ED538805A}"/>
+              </a:ext>
+            </a:extLst>
+          </p:cNvPr>
+          <p:cNvSpPr txBox="1"/>
+          <p:nvPr/>
+        </p:nvSpPr>
+        <p:spPr>
+          <a:xfrm>
+            <a:off x="2521995" y="3233937"/>
+            <a:ext cx="354584" cy="276999"/>
+          </a:xfrm>
+          <a:prstGeom prst="rect">
+            <a:avLst/>
+          </a:prstGeom>
+          <a:noFill/>
+        </p:spPr>
+        <p:txBody>
+          <a:bodyPr wrap="none" rtlCol="0">
+            <a:spAutoFit/>
+          </a:bodyPr>
+          <a:lstStyle/>
+          <a:p>
+            <a:r>
+              <a:rPr lang="en-US" sz="1200" dirty="0"/>
+              <a:t>En</a:t>
+            </a:r>
+            <a:endParaRPr lang="en-US" sz="1200" baseline="-25000" dirty="0"/>
+          </a:p>
+        </p:txBody>
+      </p:sp>
+    </p:spTree>
+    <p:extLst>
+      <p:ext uri="{BB962C8B-B14F-4D97-AF65-F5344CB8AC3E}">
+        <p14:creationId xmlns:p14="http://schemas.microsoft.com/office/powerpoint/2010/main" val="1505556900"/>
+      </p:ext>
+    </p:extLst>
+  </p:cSld>
+  <p:clrMapOvr>
+    <a:masterClrMapping/>
+  </p:clrMapOvr>
+</p:sld>
+</file>
+
+<file path=ppt/slides/slide3.xml><?xml version="1.0" encoding="utf-8"?>
 <p:sld xmlns:a="http://schemas.openxmlformats.org/drawingml/2006/main" xmlns:r="http://schemas.openxmlformats.org/officeDocument/2006/relationships" xmlns:p="http://schemas.openxmlformats.org/presentationml/2006/main">
   <p:cSld>
     <p:spTree>
